--- a/HopHacksFinancialViz.pptx
+++ b/HopHacksFinancialViz.pptx
@@ -5,13 +5,16 @@
     <p:sldMasterId id="2147483648" r:id="rId1"/>
   </p:sldMasterIdLst>
   <p:notesMasterIdLst>
-    <p:notesMasterId r:id="rId6"/>
+    <p:notesMasterId r:id="rId9"/>
   </p:notesMasterIdLst>
   <p:sldIdLst>
     <p:sldId id="256" r:id="rId2"/>
     <p:sldId id="262" r:id="rId3"/>
     <p:sldId id="258" r:id="rId4"/>
     <p:sldId id="259" r:id="rId5"/>
+    <p:sldId id="263" r:id="rId6"/>
+    <p:sldId id="264" r:id="rId7"/>
+    <p:sldId id="265" r:id="rId8"/>
   </p:sldIdLst>
   <p:sldSz cx="9144000" cy="6858000" type="screen4x3"/>
   <p:notesSz cx="6858000" cy="9144000"/>
@@ -3816,8 +3819,31 @@
                 <a:latin typeface="Avenir Light"/>
                 <a:cs typeface="Avenir Light"/>
               </a:rPr>
-              <a:t>- Most statistical models are inconsistent when fed real-time data</a:t>
-            </a:r>
+              <a:t>- Most statistical models are inconsistent when fed real-time </a:t>
+            </a:r>
+            <a:r>
+              <a:rPr lang="en-US" sz="2000" dirty="0" smtClean="0">
+                <a:latin typeface="Avenir Light"/>
+                <a:cs typeface="Avenir Light"/>
+              </a:rPr>
+              <a:t>data</a:t>
+            </a:r>
+            <a:endParaRPr lang="en-US" sz="2000" dirty="0">
+              <a:latin typeface="Avenir Light"/>
+              <a:cs typeface="Avenir Light"/>
+            </a:endParaRPr>
+          </a:p>
+          <a:p>
+            <a:endParaRPr lang="en-US" sz="2000" dirty="0" smtClean="0">
+              <a:latin typeface="Avenir Light"/>
+              <a:cs typeface="Avenir Light"/>
+            </a:endParaRPr>
+          </a:p>
+          <a:p>
+            <a:endParaRPr lang="en-US" sz="2000" dirty="0" smtClean="0">
+              <a:latin typeface="Avenir Light"/>
+              <a:cs typeface="Avenir Light"/>
+            </a:endParaRPr>
           </a:p>
           <a:p>
             <a:pPr marL="0" indent="0">
@@ -3828,162 +3854,712 @@
               <a:cs typeface="Avenir Light"/>
             </a:endParaRPr>
           </a:p>
-          <a:p>
-            <a:r>
-              <a:rPr lang="en-US" sz="2000" dirty="0">
-                <a:latin typeface="Avenir Light"/>
-                <a:cs typeface="Avenir Light"/>
-              </a:rPr>
-              <a:t>## Methodology</a:t>
-            </a:r>
-          </a:p>
-          <a:p>
-            <a:r>
-              <a:rPr lang="en-US" sz="2000" dirty="0">
-                <a:latin typeface="Avenir Light"/>
-                <a:cs typeface="Avenir Light"/>
-              </a:rPr>
-              <a:t>- Test data was manually collected based on the derivative of stock price changes over the period of 24 hours</a:t>
-            </a:r>
-          </a:p>
-          <a:p>
-            <a:r>
-              <a:rPr lang="en-US" sz="2000" dirty="0">
-                <a:latin typeface="Avenir Light"/>
-                <a:cs typeface="Avenir Light"/>
-              </a:rPr>
-              <a:t>- Relevant articles were manually collected and assigned a value based on above derivative value</a:t>
-            </a:r>
-          </a:p>
-          <a:p>
-            <a:r>
-              <a:rPr lang="en-US" sz="2000" dirty="0">
-                <a:latin typeface="Avenir Light"/>
-                <a:cs typeface="Avenir Light"/>
-              </a:rPr>
-              <a:t>- Standard 60-20-20 train validation-test split used</a:t>
-            </a:r>
-          </a:p>
-          <a:p>
-            <a:endParaRPr lang="en-US" sz="2000" dirty="0">
-              <a:latin typeface="Avenir Light"/>
-              <a:cs typeface="Avenir Light"/>
-            </a:endParaRPr>
-          </a:p>
-          <a:p>
-            <a:r>
-              <a:rPr lang="en-US" sz="2000" dirty="0">
-                <a:latin typeface="Avenir Light"/>
-                <a:cs typeface="Avenir Light"/>
-              </a:rPr>
-              <a:t>## Results</a:t>
-            </a:r>
-          </a:p>
-          <a:p>
-            <a:r>
-              <a:rPr lang="en-US" sz="2000" dirty="0">
-                <a:latin typeface="Avenir Light"/>
-                <a:cs typeface="Avenir Light"/>
-              </a:rPr>
-              <a:t>- Accuracy was around </a:t>
-            </a:r>
-          </a:p>
-          <a:p>
-            <a:endParaRPr lang="en-US" sz="2000" dirty="0">
-              <a:latin typeface="Avenir Light"/>
-              <a:cs typeface="Avenir Light"/>
-            </a:endParaRPr>
-          </a:p>
-          <a:p>
-            <a:r>
-              <a:rPr lang="en-US" sz="2000" dirty="0">
-                <a:latin typeface="Avenir Light"/>
-                <a:cs typeface="Avenir Light"/>
-              </a:rPr>
-              <a:t>## In Progress</a:t>
-            </a:r>
-          </a:p>
-          <a:p>
-            <a:r>
-              <a:rPr lang="en-US" sz="2000" dirty="0">
-                <a:latin typeface="Avenir Light"/>
-                <a:cs typeface="Avenir Light"/>
-              </a:rPr>
-              <a:t>- Automation of news article detection</a:t>
-            </a:r>
-          </a:p>
-          <a:p>
-            <a:r>
-              <a:rPr lang="en-US" sz="2000" dirty="0">
-                <a:latin typeface="Avenir Light"/>
-                <a:cs typeface="Avenir Light"/>
-              </a:rPr>
-              <a:t>  - Can currently automatically generate articles however needs to classify articles on financial relevance</a:t>
-            </a:r>
-          </a:p>
-          <a:p>
-            <a:r>
-              <a:rPr lang="en-US" sz="2000" dirty="0">
-                <a:latin typeface="Avenir Light"/>
-                <a:cs typeface="Avenir Light"/>
-              </a:rPr>
-              <a:t>  - Needs to classify companies in direct competition with </a:t>
-            </a:r>
-            <a:r>
-              <a:rPr lang="en-US" sz="2000" dirty="0" err="1">
-                <a:latin typeface="Avenir Light"/>
-                <a:cs typeface="Avenir Light"/>
-              </a:rPr>
-              <a:t>eachother</a:t>
-            </a:r>
-            <a:endParaRPr lang="en-US" sz="2000" dirty="0">
-              <a:latin typeface="Avenir Light"/>
-              <a:cs typeface="Avenir Light"/>
-            </a:endParaRPr>
-          </a:p>
-          <a:p>
-            <a:r>
-              <a:rPr lang="en-US" sz="2000" dirty="0" smtClean="0">
-                <a:latin typeface="Avenir Light"/>
-                <a:cs typeface="Avenir Light"/>
-              </a:rPr>
-              <a:t>m </a:t>
-            </a:r>
-            <a:r>
-              <a:rPr lang="en-US" sz="2000" dirty="0" smtClean="0">
-                <a:latin typeface="Avenir Light"/>
-                <a:cs typeface="Avenir Light"/>
-              </a:rPr>
-              <a:t>around the globe</a:t>
-            </a:r>
-          </a:p>
-          <a:p>
-            <a:endParaRPr lang="en-US" sz="2000" dirty="0" smtClean="0">
-              <a:latin typeface="Avenir Light"/>
-              <a:cs typeface="Avenir Light"/>
-            </a:endParaRPr>
-          </a:p>
-          <a:p>
-            <a:endParaRPr lang="en-US" sz="2000" dirty="0" smtClean="0">
-              <a:latin typeface="Avenir Light"/>
-              <a:cs typeface="Avenir Light"/>
-            </a:endParaRPr>
-          </a:p>
-          <a:p>
-            <a:pPr marL="0" indent="0">
-              <a:buNone/>
-            </a:pPr>
-            <a:endParaRPr lang="en-US" sz="2000" dirty="0">
-              <a:latin typeface="Avenir Light"/>
-              <a:cs typeface="Avenir Light"/>
-            </a:endParaRPr>
-          </a:p>
         </p:txBody>
       </p:sp>
     </p:spTree>
     <p:extLst>
       <p:ext uri="{BB962C8B-B14F-4D97-AF65-F5344CB8AC3E}">
         <p14:creationId xmlns:p14="http://schemas.microsoft.com/office/powerpoint/2010/main" val="2890811373"/>
+      </p:ext>
+    </p:extLst>
+  </p:cSld>
+  <p:clrMapOvr>
+    <a:masterClrMapping/>
+  </p:clrMapOvr>
+  <mc:AlternateContent xmlns:mc="http://schemas.openxmlformats.org/markup-compatibility/2006" xmlns:p14="http://schemas.microsoft.com/office/powerpoint/2010/main">
+    <mc:Choice Requires="p14">
+      <p:transition spd="med" p14:dur="700">
+        <p:fade/>
+      </p:transition>
+    </mc:Choice>
+    <mc:Fallback xmlns="">
+      <p:transition xmlns:p14="http://schemas.microsoft.com/office/powerpoint/2010/main" spd="med">
+        <p:fade/>
+      </p:transition>
+    </mc:Fallback>
+  </mc:AlternateContent>
+  <p:timing>
+    <p:tnLst>
+      <p:par>
+        <p:cTn xmlns:p14="http://schemas.microsoft.com/office/powerpoint/2010/main" id="1" dur="indefinite" restart="never" nodeType="tmRoot">
+          <p:childTnLst>
+            <p:seq concurrent="1" nextAc="seek">
+              <p:cTn id="2" dur="indefinite" nodeType="mainSeq">
+                <p:childTnLst>
+                  <p:par>
+                    <p:cTn id="3" fill="hold">
+                      <p:stCondLst>
+                        <p:cond delay="indefinite"/>
+                      </p:stCondLst>
+                      <p:childTnLst>
+                        <p:par>
+                          <p:cTn id="4" fill="hold">
+                            <p:stCondLst>
+                              <p:cond delay="0"/>
+                            </p:stCondLst>
+                            <p:childTnLst>
+                              <p:par>
+                                <p:cTn id="5" presetID="10" presetClass="entr" presetSubtype="0" fill="hold" grpId="0" nodeType="clickEffect">
+                                  <p:stCondLst>
+                                    <p:cond delay="0"/>
+                                  </p:stCondLst>
+                                  <p:childTnLst>
+                                    <p:set>
+                                      <p:cBhvr>
+                                        <p:cTn id="6" dur="1" fill="hold">
+                                          <p:stCondLst>
+                                            <p:cond delay="0"/>
+                                          </p:stCondLst>
+                                        </p:cTn>
+                                        <p:tgtEl>
+                                          <p:spTgt spid="2"/>
+                                        </p:tgtEl>
+                                        <p:attrNameLst>
+                                          <p:attrName>style.visibility</p:attrName>
+                                        </p:attrNameLst>
+                                      </p:cBhvr>
+                                      <p:to>
+                                        <p:strVal val="visible"/>
+                                      </p:to>
+                                    </p:set>
+                                    <p:animEffect transition="in" filter="fade">
+                                      <p:cBhvr>
+                                        <p:cTn id="7" dur="500"/>
+                                        <p:tgtEl>
+                                          <p:spTgt spid="2"/>
+                                        </p:tgtEl>
+                                      </p:cBhvr>
+                                    </p:animEffect>
+                                  </p:childTnLst>
+                                </p:cTn>
+                              </p:par>
+                            </p:childTnLst>
+                          </p:cTn>
+                        </p:par>
+                      </p:childTnLst>
+                    </p:cTn>
+                  </p:par>
+                  <p:par>
+                    <p:cTn id="8" fill="hold">
+                      <p:stCondLst>
+                        <p:cond delay="indefinite"/>
+                      </p:stCondLst>
+                      <p:childTnLst>
+                        <p:par>
+                          <p:cTn id="9" fill="hold">
+                            <p:stCondLst>
+                              <p:cond delay="0"/>
+                            </p:stCondLst>
+                            <p:childTnLst>
+                              <p:par>
+                                <p:cTn id="10" presetID="10" presetClass="entr" presetSubtype="0" fill="hold" grpId="0" nodeType="clickEffect">
+                                  <p:stCondLst>
+                                    <p:cond delay="0"/>
+                                  </p:stCondLst>
+                                  <p:childTnLst>
+                                    <p:set>
+                                      <p:cBhvr>
+                                        <p:cTn id="11" dur="1" fill="hold">
+                                          <p:stCondLst>
+                                            <p:cond delay="0"/>
+                                          </p:stCondLst>
+                                        </p:cTn>
+                                        <p:tgtEl>
+                                          <p:spTgt spid="3">
+                                            <p:txEl>
+                                              <p:pRg st="0" end="0"/>
+                                            </p:txEl>
+                                          </p:spTgt>
+                                        </p:tgtEl>
+                                        <p:attrNameLst>
+                                          <p:attrName>style.visibility</p:attrName>
+                                        </p:attrNameLst>
+                                      </p:cBhvr>
+                                      <p:to>
+                                        <p:strVal val="visible"/>
+                                      </p:to>
+                                    </p:set>
+                                    <p:animEffect transition="in" filter="fade">
+                                      <p:cBhvr>
+                                        <p:cTn id="12" dur="500"/>
+                                        <p:tgtEl>
+                                          <p:spTgt spid="3">
+                                            <p:txEl>
+                                              <p:pRg st="0" end="0"/>
+                                            </p:txEl>
+                                          </p:spTgt>
+                                        </p:tgtEl>
+                                      </p:cBhvr>
+                                    </p:animEffect>
+                                  </p:childTnLst>
+                                </p:cTn>
+                              </p:par>
+                            </p:childTnLst>
+                          </p:cTn>
+                        </p:par>
+                      </p:childTnLst>
+                    </p:cTn>
+                  </p:par>
+                  <p:par>
+                    <p:cTn id="13" fill="hold">
+                      <p:stCondLst>
+                        <p:cond delay="indefinite"/>
+                      </p:stCondLst>
+                      <p:childTnLst>
+                        <p:par>
+                          <p:cTn id="14" fill="hold">
+                            <p:stCondLst>
+                              <p:cond delay="0"/>
+                            </p:stCondLst>
+                            <p:childTnLst>
+                              <p:par>
+                                <p:cTn id="15" presetID="10" presetClass="entr" presetSubtype="0" fill="hold" grpId="0" nodeType="clickEffect">
+                                  <p:stCondLst>
+                                    <p:cond delay="0"/>
+                                  </p:stCondLst>
+                                  <p:childTnLst>
+                                    <p:set>
+                                      <p:cBhvr>
+                                        <p:cTn id="16" dur="1" fill="hold">
+                                          <p:stCondLst>
+                                            <p:cond delay="0"/>
+                                          </p:stCondLst>
+                                        </p:cTn>
+                                        <p:tgtEl>
+                                          <p:spTgt spid="3">
+                                            <p:txEl>
+                                              <p:pRg st="1" end="1"/>
+                                            </p:txEl>
+                                          </p:spTgt>
+                                        </p:tgtEl>
+                                        <p:attrNameLst>
+                                          <p:attrName>style.visibility</p:attrName>
+                                        </p:attrNameLst>
+                                      </p:cBhvr>
+                                      <p:to>
+                                        <p:strVal val="visible"/>
+                                      </p:to>
+                                    </p:set>
+                                    <p:animEffect transition="in" filter="fade">
+                                      <p:cBhvr>
+                                        <p:cTn id="17" dur="500"/>
+                                        <p:tgtEl>
+                                          <p:spTgt spid="3">
+                                            <p:txEl>
+                                              <p:pRg st="1" end="1"/>
+                                            </p:txEl>
+                                          </p:spTgt>
+                                        </p:tgtEl>
+                                      </p:cBhvr>
+                                    </p:animEffect>
+                                  </p:childTnLst>
+                                </p:cTn>
+                              </p:par>
+                            </p:childTnLst>
+                          </p:cTn>
+                        </p:par>
+                      </p:childTnLst>
+                    </p:cTn>
+                  </p:par>
+                </p:childTnLst>
+              </p:cTn>
+              <p:prevCondLst>
+                <p:cond evt="onPrev" delay="0">
+                  <p:tgtEl>
+                    <p:sldTgt/>
+                  </p:tgtEl>
+                </p:cond>
+              </p:prevCondLst>
+              <p:nextCondLst>
+                <p:cond evt="onNext" delay="0">
+                  <p:tgtEl>
+                    <p:sldTgt/>
+                  </p:tgtEl>
+                </p:cond>
+              </p:nextCondLst>
+            </p:seq>
+          </p:childTnLst>
+        </p:cTn>
+      </p:par>
+    </p:tnLst>
+    <p:bldLst>
+      <p:bldP spid="2" grpId="0"/>
+      <p:bldP spid="3" grpId="0" build="p"/>
+    </p:bldLst>
+  </p:timing>
+</p:sld>
+</file>
+
+<file path=ppt/slides/slide3.xml><?xml version="1.0" encoding="utf-8"?>
+<p:sld xmlns:a="http://schemas.openxmlformats.org/drawingml/2006/main" xmlns:r="http://schemas.openxmlformats.org/officeDocument/2006/relationships" xmlns:p="http://schemas.openxmlformats.org/presentationml/2006/main">
+  <p:cSld>
+    <p:spTree>
+      <p:nvGrpSpPr>
+        <p:cNvPr id="1" name=""/>
+        <p:cNvGrpSpPr/>
+        <p:nvPr/>
+      </p:nvGrpSpPr>
+      <p:grpSpPr>
+        <a:xfrm>
+          <a:off x="0" y="0"/>
+          <a:ext cx="0" cy="0"/>
+          <a:chOff x="0" y="0"/>
+          <a:chExt cx="0" cy="0"/>
+        </a:xfrm>
+      </p:grpSpPr>
+      <p:sp>
+        <p:nvSpPr>
+          <p:cNvPr id="3" name="Content Placeholder 2"/>
+          <p:cNvSpPr>
+            <a:spLocks noGrp="1"/>
+          </p:cNvSpPr>
+          <p:nvPr>
+            <p:ph idx="1"/>
+          </p:nvPr>
+        </p:nvSpPr>
+        <p:spPr>
+          <a:xfrm>
+            <a:off x="457200" y="1538111"/>
+            <a:ext cx="8229600" cy="4699000"/>
+          </a:xfrm>
+        </p:spPr>
+        <p:txBody>
+          <a:bodyPr>
+            <a:normAutofit lnSpcReduction="10000"/>
+          </a:bodyPr>
+          <a:lstStyle/>
+          <a:p>
+            <a:r>
+              <a:rPr lang="en-US" dirty="0" smtClean="0">
+                <a:latin typeface="Avenir Light"/>
+                <a:cs typeface="Avenir Light"/>
+              </a:rPr>
+              <a:t>- </a:t>
+            </a:r>
+            <a:r>
+              <a:rPr lang="en-US" dirty="0">
+                <a:latin typeface="Avenir Light"/>
+                <a:cs typeface="Avenir Light"/>
+              </a:rPr>
+              <a:t>Groups </a:t>
+            </a:r>
+            <a:r>
+              <a:rPr lang="en-US" dirty="0" smtClean="0">
+                <a:latin typeface="Avenir Light"/>
+                <a:cs typeface="Avenir Light"/>
+              </a:rPr>
+              <a:t>companies </a:t>
+            </a:r>
+            <a:r>
+              <a:rPr lang="en-US" dirty="0">
+                <a:latin typeface="Avenir Light"/>
+                <a:cs typeface="Avenir Light"/>
+              </a:rPr>
+              <a:t>in </a:t>
+            </a:r>
+            <a:r>
+              <a:rPr lang="en-US" dirty="0" smtClean="0">
+                <a:latin typeface="Avenir Light"/>
+                <a:cs typeface="Avenir Light"/>
+              </a:rPr>
+              <a:t>select industries that are direct competitors</a:t>
+            </a:r>
+            <a:endParaRPr lang="en-US" dirty="0">
+              <a:latin typeface="Avenir Light"/>
+              <a:cs typeface="Avenir Light"/>
+            </a:endParaRPr>
+          </a:p>
+          <a:p>
+            <a:r>
+              <a:rPr lang="en-US" dirty="0">
+                <a:latin typeface="Avenir Light"/>
+                <a:cs typeface="Avenir Light"/>
+              </a:rPr>
+              <a:t>- Analyzes trends with support from automatically generated relevant news articles</a:t>
+            </a:r>
+          </a:p>
+          <a:p>
+            <a:r>
+              <a:rPr lang="en-US" dirty="0">
+                <a:latin typeface="Avenir Light"/>
+                <a:cs typeface="Avenir Light"/>
+              </a:rPr>
+              <a:t>- Uses machine learning to detect stock behavior from articles in real-time</a:t>
+            </a:r>
+          </a:p>
+          <a:p>
+            <a:r>
+              <a:rPr lang="en-US" dirty="0">
+                <a:latin typeface="Avenir Light"/>
+                <a:cs typeface="Avenir Light"/>
+              </a:rPr>
+              <a:t>- Classification aids in predicting future market behavior</a:t>
+            </a:r>
+            <a:endParaRPr lang="en-US" dirty="0">
+              <a:latin typeface="Avenir Light"/>
+              <a:cs typeface="Avenir Light"/>
+            </a:endParaRPr>
+          </a:p>
+        </p:txBody>
+      </p:sp>
+      <p:sp>
+        <p:nvSpPr>
+          <p:cNvPr id="2" name="Title 1"/>
+          <p:cNvSpPr>
+            <a:spLocks noGrp="1"/>
+          </p:cNvSpPr>
+          <p:nvPr>
+            <p:ph type="title"/>
+          </p:nvPr>
+        </p:nvSpPr>
+        <p:spPr/>
+        <p:txBody>
+          <a:bodyPr/>
+          <a:lstStyle/>
+          <a:p>
+            <a:r>
+              <a:rPr lang="en-US" dirty="0" smtClean="0">
+                <a:solidFill>
+                  <a:schemeClr val="bg1"/>
+                </a:solidFill>
+                <a:latin typeface="Perpetua Titling MT"/>
+                <a:cs typeface="Perpetua Titling MT"/>
+              </a:rPr>
+              <a:t>The Solution</a:t>
+            </a:r>
+            <a:endParaRPr lang="en-US" dirty="0">
+              <a:solidFill>
+                <a:schemeClr val="bg1"/>
+              </a:solidFill>
+              <a:latin typeface="Perpetua Titling MT"/>
+              <a:cs typeface="Perpetua Titling MT"/>
+            </a:endParaRPr>
+          </a:p>
+        </p:txBody>
+      </p:sp>
+      <p:sp>
+        <p:nvSpPr>
+          <p:cNvPr id="13" name="Title 1"/>
+          <p:cNvSpPr txBox="1">
+            <a:spLocks/>
+          </p:cNvSpPr>
+          <p:nvPr/>
+        </p:nvSpPr>
+        <p:spPr>
+          <a:xfrm>
+            <a:off x="457200" y="274639"/>
+            <a:ext cx="8229600" cy="1143000"/>
+          </a:xfrm>
+          <a:prstGeom prst="rect">
+            <a:avLst/>
+          </a:prstGeom>
+        </p:spPr>
+        <p:txBody>
+          <a:bodyPr vert="horz" lIns="91440" tIns="45720" rIns="91440" bIns="45720" rtlCol="0" anchor="ctr">
+            <a:normAutofit/>
+          </a:bodyPr>
+          <a:lstStyle>
+            <a:lvl1pPr algn="ctr" defTabSz="457200" rtl="0" eaLnBrk="1" latinLnBrk="0" hangingPunct="1">
+              <a:spcBef>
+                <a:spcPct val="0"/>
+              </a:spcBef>
+              <a:buNone/>
+              <a:defRPr sz="4400" kern="1200">
+                <a:solidFill>
+                  <a:schemeClr val="tx1"/>
+                </a:solidFill>
+                <a:latin typeface="+mj-lt"/>
+                <a:ea typeface="+mj-ea"/>
+                <a:cs typeface="+mj-cs"/>
+              </a:defRPr>
+            </a:lvl1pPr>
+          </a:lstStyle>
+          <a:p>
+            <a:r>
+              <a:rPr lang="en-US" b="1" dirty="0" smtClean="0">
+                <a:latin typeface="Avenir Light"/>
+                <a:cs typeface="Avenir Light"/>
+              </a:rPr>
+              <a:t>Our Product</a:t>
+            </a:r>
+            <a:endParaRPr lang="en-US" b="1" dirty="0">
+              <a:latin typeface="Avenir Light"/>
+              <a:cs typeface="Avenir Light"/>
+            </a:endParaRPr>
+          </a:p>
+        </p:txBody>
+      </p:sp>
+    </p:spTree>
+    <p:extLst>
+      <p:ext uri="{BB962C8B-B14F-4D97-AF65-F5344CB8AC3E}">
+        <p14:creationId xmlns:p14="http://schemas.microsoft.com/office/powerpoint/2010/main" val="2472489339"/>
+      </p:ext>
+    </p:extLst>
+  </p:cSld>
+  <p:clrMapOvr>
+    <a:masterClrMapping/>
+  </p:clrMapOvr>
+  <mc:AlternateContent xmlns:mc="http://schemas.openxmlformats.org/markup-compatibility/2006" xmlns:p14="http://schemas.microsoft.com/office/powerpoint/2010/main">
+    <mc:Choice Requires="p14">
+      <p:transition spd="med" p14:dur="700">
+        <p:fade/>
+      </p:transition>
+    </mc:Choice>
+    <mc:Fallback xmlns="">
+      <p:transition xmlns:p14="http://schemas.microsoft.com/office/powerpoint/2010/main" spd="med">
+        <p:fade/>
+      </p:transition>
+    </mc:Fallback>
+  </mc:AlternateContent>
+  <p:timing>
+    <p:tnLst>
+      <p:par>
+        <p:cTn xmlns:p14="http://schemas.microsoft.com/office/powerpoint/2010/main" id="1" dur="indefinite" restart="never" nodeType="tmRoot">
+          <p:childTnLst>
+            <p:seq concurrent="1" nextAc="seek">
+              <p:cTn id="2" dur="indefinite" nodeType="mainSeq">
+                <p:childTnLst>
+                  <p:par>
+                    <p:cTn id="3" fill="hold">
+                      <p:stCondLst>
+                        <p:cond delay="indefinite"/>
+                      </p:stCondLst>
+                      <p:childTnLst>
+                        <p:par>
+                          <p:cTn id="4" fill="hold">
+                            <p:stCondLst>
+                              <p:cond delay="0"/>
+                            </p:stCondLst>
+                            <p:childTnLst>
+                              <p:par>
+                                <p:cTn id="5" presetID="10" presetClass="entr" presetSubtype="0" fill="hold" grpId="0" nodeType="clickEffect">
+                                  <p:stCondLst>
+                                    <p:cond delay="0"/>
+                                  </p:stCondLst>
+                                  <p:childTnLst>
+                                    <p:set>
+                                      <p:cBhvr>
+                                        <p:cTn id="6" dur="1" fill="hold">
+                                          <p:stCondLst>
+                                            <p:cond delay="0"/>
+                                          </p:stCondLst>
+                                        </p:cTn>
+                                        <p:tgtEl>
+                                          <p:spTgt spid="13"/>
+                                        </p:tgtEl>
+                                        <p:attrNameLst>
+                                          <p:attrName>style.visibility</p:attrName>
+                                        </p:attrNameLst>
+                                      </p:cBhvr>
+                                      <p:to>
+                                        <p:strVal val="visible"/>
+                                      </p:to>
+                                    </p:set>
+                                    <p:animEffect transition="in" filter="fade">
+                                      <p:cBhvr>
+                                        <p:cTn id="7" dur="500"/>
+                                        <p:tgtEl>
+                                          <p:spTgt spid="13"/>
+                                        </p:tgtEl>
+                                      </p:cBhvr>
+                                    </p:animEffect>
+                                  </p:childTnLst>
+                                </p:cTn>
+                              </p:par>
+                            </p:childTnLst>
+                          </p:cTn>
+                        </p:par>
+                      </p:childTnLst>
+                    </p:cTn>
+                  </p:par>
+                </p:childTnLst>
+              </p:cTn>
+              <p:prevCondLst>
+                <p:cond evt="onPrev" delay="0">
+                  <p:tgtEl>
+                    <p:sldTgt/>
+                  </p:tgtEl>
+                </p:cond>
+              </p:prevCondLst>
+              <p:nextCondLst>
+                <p:cond evt="onNext" delay="0">
+                  <p:tgtEl>
+                    <p:sldTgt/>
+                  </p:tgtEl>
+                </p:cond>
+              </p:nextCondLst>
+            </p:seq>
+          </p:childTnLst>
+        </p:cTn>
+      </p:par>
+    </p:tnLst>
+    <p:bldLst>
+      <p:bldP spid="13" grpId="0"/>
+    </p:bldLst>
+  </p:timing>
+</p:sld>
+</file>
+
+<file path=ppt/slides/slide4.xml><?xml version="1.0" encoding="utf-8"?>
+<p:sld xmlns:a="http://schemas.openxmlformats.org/drawingml/2006/main" xmlns:r="http://schemas.openxmlformats.org/officeDocument/2006/relationships" xmlns:p="http://schemas.openxmlformats.org/presentationml/2006/main">
+  <p:cSld>
+    <p:spTree>
+      <p:nvGrpSpPr>
+        <p:cNvPr id="1" name=""/>
+        <p:cNvGrpSpPr/>
+        <p:nvPr/>
+      </p:nvGrpSpPr>
+      <p:grpSpPr>
+        <a:xfrm>
+          <a:off x="0" y="0"/>
+          <a:ext cx="0" cy="0"/>
+          <a:chOff x="0" y="0"/>
+          <a:chExt cx="0" cy="0"/>
+        </a:xfrm>
+      </p:grpSpPr>
+      <p:sp>
+        <p:nvSpPr>
+          <p:cNvPr id="2" name="Title 1"/>
+          <p:cNvSpPr>
+            <a:spLocks noGrp="1"/>
+          </p:cNvSpPr>
+          <p:nvPr>
+            <p:ph type="title"/>
+          </p:nvPr>
+        </p:nvSpPr>
+        <p:spPr/>
+        <p:txBody>
+          <a:bodyPr>
+            <a:normAutofit/>
+          </a:bodyPr>
+          <a:lstStyle/>
+          <a:p>
+            <a:r>
+              <a:rPr lang="en-US" b="1" dirty="0" smtClean="0">
+                <a:solidFill>
+                  <a:srgbClr val="000000"/>
+                </a:solidFill>
+                <a:latin typeface="Avenir Light"/>
+                <a:cs typeface="Avenir Light"/>
+              </a:rPr>
+              <a:t>Our Prototype</a:t>
+            </a:r>
+            <a:endParaRPr lang="en-US" b="1" dirty="0">
+              <a:solidFill>
+                <a:srgbClr val="000000"/>
+              </a:solidFill>
+              <a:latin typeface="Avenir Light"/>
+              <a:cs typeface="Avenir Light"/>
+            </a:endParaRPr>
+          </a:p>
+        </p:txBody>
+      </p:sp>
+      <p:sp>
+        <p:nvSpPr>
+          <p:cNvPr id="3" name="Content Placeholder 2"/>
+          <p:cNvSpPr>
+            <a:spLocks noGrp="1"/>
+          </p:cNvSpPr>
+          <p:nvPr>
+            <p:ph idx="1"/>
+          </p:nvPr>
+        </p:nvSpPr>
+        <p:spPr>
+          <a:xfrm>
+            <a:off x="457200" y="1608667"/>
+            <a:ext cx="8229600" cy="5079999"/>
+          </a:xfrm>
+        </p:spPr>
+        <p:txBody>
+          <a:bodyPr>
+            <a:normAutofit/>
+          </a:bodyPr>
+          <a:lstStyle/>
+          <a:p>
+            <a:r>
+              <a:rPr lang="en-US" dirty="0" smtClean="0">
+                <a:latin typeface="Avenir Light"/>
+                <a:cs typeface="Avenir Light"/>
+              </a:rPr>
+              <a:t>Analyzes </a:t>
+            </a:r>
+            <a:r>
+              <a:rPr lang="en-US" dirty="0">
+                <a:latin typeface="Avenir Light"/>
+                <a:cs typeface="Avenir Light"/>
+              </a:rPr>
+              <a:t>the airline industry</a:t>
+            </a:r>
+          </a:p>
+          <a:p>
+            <a:r>
+              <a:rPr lang="en-US" dirty="0" smtClean="0">
+                <a:latin typeface="Avenir Light"/>
+                <a:cs typeface="Avenir Light"/>
+              </a:rPr>
+              <a:t>Manually </a:t>
+            </a:r>
+            <a:r>
+              <a:rPr lang="en-US" dirty="0">
+                <a:latin typeface="Avenir Light"/>
+                <a:cs typeface="Avenir Light"/>
+              </a:rPr>
+              <a:t>accepts news </a:t>
+            </a:r>
+            <a:r>
+              <a:rPr lang="en-US" dirty="0" smtClean="0">
+                <a:latin typeface="Avenir Light"/>
+                <a:cs typeface="Avenir Light"/>
+              </a:rPr>
+              <a:t>articles from dates</a:t>
+            </a:r>
+            <a:endParaRPr lang="en-US" dirty="0">
+              <a:latin typeface="Avenir Light"/>
+              <a:cs typeface="Avenir Light"/>
+            </a:endParaRPr>
+          </a:p>
+          <a:p>
+            <a:r>
+              <a:rPr lang="en-US" dirty="0" smtClean="0">
+                <a:latin typeface="Avenir Light"/>
+                <a:cs typeface="Avenir Light"/>
+              </a:rPr>
+              <a:t>Uses </a:t>
+            </a:r>
+            <a:r>
+              <a:rPr lang="en-US" dirty="0">
+                <a:latin typeface="Avenir Light"/>
+                <a:cs typeface="Avenir Light"/>
+              </a:rPr>
+              <a:t>machine learning to detect stock behavior from inputted articles</a:t>
+            </a:r>
+          </a:p>
+          <a:p>
+            <a:r>
+              <a:rPr lang="en-US" dirty="0" smtClean="0">
+                <a:latin typeface="Avenir Light"/>
+                <a:cs typeface="Avenir Light"/>
+              </a:rPr>
+              <a:t>Classification </a:t>
+            </a:r>
+            <a:r>
+              <a:rPr lang="en-US" dirty="0">
+                <a:latin typeface="Avenir Light"/>
+                <a:cs typeface="Avenir Light"/>
+              </a:rPr>
+              <a:t>aids in predicting future market behavior</a:t>
+            </a:r>
+            <a:endParaRPr lang="en-US" dirty="0">
+              <a:latin typeface="Avenir Light"/>
+              <a:cs typeface="Avenir Light"/>
+            </a:endParaRPr>
+          </a:p>
+        </p:txBody>
+      </p:sp>
+    </p:spTree>
+    <p:extLst>
+      <p:ext uri="{BB962C8B-B14F-4D97-AF65-F5344CB8AC3E}">
+        <p14:creationId xmlns:p14="http://schemas.microsoft.com/office/powerpoint/2010/main" val="165773630"/>
       </p:ext>
     </p:extLst>
   </p:cSld>
@@ -4213,7 +4789,7 @@
                                         <p:tgtEl>
                                           <p:spTgt spid="3">
                                             <p:txEl>
-                                              <p:pRg st="3" end="3"/>
+                                              <p:pRg st="2" end="2"/>
                                             </p:txEl>
                                           </p:spTgt>
                                         </p:tgtEl>
@@ -4231,7 +4807,7 @@
                                         <p:tgtEl>
                                           <p:spTgt spid="3">
                                             <p:txEl>
-                                              <p:pRg st="3" end="3"/>
+                                              <p:pRg st="2" end="2"/>
                                             </p:txEl>
                                           </p:spTgt>
                                         </p:tgtEl>
@@ -4274,7 +4850,7 @@
                                         <p:tgtEl>
                                           <p:spTgt spid="3">
                                             <p:txEl>
-                                              <p:pRg st="4" end="4"/>
+                                              <p:pRg st="3" end="3"/>
                                             </p:txEl>
                                           </p:spTgt>
                                         </p:tgtEl>
@@ -4292,556 +4868,7 @@
                                         <p:tgtEl>
                                           <p:spTgt spid="3">
                                             <p:txEl>
-                                              <p:pRg st="4" end="4"/>
-                                            </p:txEl>
-                                          </p:spTgt>
-                                        </p:tgtEl>
-                                      </p:cBhvr>
-                                    </p:animEffect>
-                                  </p:childTnLst>
-                                </p:cTn>
-                              </p:par>
-                            </p:childTnLst>
-                          </p:cTn>
-                        </p:par>
-                      </p:childTnLst>
-                    </p:cTn>
-                  </p:par>
-                  <p:par>
-                    <p:cTn id="28" fill="hold">
-                      <p:stCondLst>
-                        <p:cond delay="indefinite"/>
-                      </p:stCondLst>
-                      <p:childTnLst>
-                        <p:par>
-                          <p:cTn id="29" fill="hold">
-                            <p:stCondLst>
-                              <p:cond delay="0"/>
-                            </p:stCondLst>
-                            <p:childTnLst>
-                              <p:par>
-                                <p:cTn id="30" presetID="10" presetClass="entr" presetSubtype="0" fill="hold" grpId="0" nodeType="clickEffect">
-                                  <p:stCondLst>
-                                    <p:cond delay="0"/>
-                                  </p:stCondLst>
-                                  <p:childTnLst>
-                                    <p:set>
-                                      <p:cBhvr>
-                                        <p:cTn id="31" dur="1" fill="hold">
-                                          <p:stCondLst>
-                                            <p:cond delay="0"/>
-                                          </p:stCondLst>
-                                        </p:cTn>
-                                        <p:tgtEl>
-                                          <p:spTgt spid="3">
-                                            <p:txEl>
-                                              <p:pRg st="5" end="5"/>
-                                            </p:txEl>
-                                          </p:spTgt>
-                                        </p:tgtEl>
-                                        <p:attrNameLst>
-                                          <p:attrName>style.visibility</p:attrName>
-                                        </p:attrNameLst>
-                                      </p:cBhvr>
-                                      <p:to>
-                                        <p:strVal val="visible"/>
-                                      </p:to>
-                                    </p:set>
-                                    <p:animEffect transition="in" filter="fade">
-                                      <p:cBhvr>
-                                        <p:cTn id="32" dur="500"/>
-                                        <p:tgtEl>
-                                          <p:spTgt spid="3">
-                                            <p:txEl>
-                                              <p:pRg st="5" end="5"/>
-                                            </p:txEl>
-                                          </p:spTgt>
-                                        </p:tgtEl>
-                                      </p:cBhvr>
-                                    </p:animEffect>
-                                  </p:childTnLst>
-                                </p:cTn>
-                              </p:par>
-                            </p:childTnLst>
-                          </p:cTn>
-                        </p:par>
-                      </p:childTnLst>
-                    </p:cTn>
-                  </p:par>
-                  <p:par>
-                    <p:cTn id="33" fill="hold">
-                      <p:stCondLst>
-                        <p:cond delay="indefinite"/>
-                      </p:stCondLst>
-                      <p:childTnLst>
-                        <p:par>
-                          <p:cTn id="34" fill="hold">
-                            <p:stCondLst>
-                              <p:cond delay="0"/>
-                            </p:stCondLst>
-                            <p:childTnLst>
-                              <p:par>
-                                <p:cTn id="35" presetID="10" presetClass="entr" presetSubtype="0" fill="hold" grpId="0" nodeType="clickEffect">
-                                  <p:stCondLst>
-                                    <p:cond delay="0"/>
-                                  </p:stCondLst>
-                                  <p:childTnLst>
-                                    <p:set>
-                                      <p:cBhvr>
-                                        <p:cTn id="36" dur="1" fill="hold">
-                                          <p:stCondLst>
-                                            <p:cond delay="0"/>
-                                          </p:stCondLst>
-                                        </p:cTn>
-                                        <p:tgtEl>
-                                          <p:spTgt spid="3">
-                                            <p:txEl>
-                                              <p:pRg st="6" end="6"/>
-                                            </p:txEl>
-                                          </p:spTgt>
-                                        </p:tgtEl>
-                                        <p:attrNameLst>
-                                          <p:attrName>style.visibility</p:attrName>
-                                        </p:attrNameLst>
-                                      </p:cBhvr>
-                                      <p:to>
-                                        <p:strVal val="visible"/>
-                                      </p:to>
-                                    </p:set>
-                                    <p:animEffect transition="in" filter="fade">
-                                      <p:cBhvr>
-                                        <p:cTn id="37" dur="500"/>
-                                        <p:tgtEl>
-                                          <p:spTgt spid="3">
-                                            <p:txEl>
-                                              <p:pRg st="6" end="6"/>
-                                            </p:txEl>
-                                          </p:spTgt>
-                                        </p:tgtEl>
-                                      </p:cBhvr>
-                                    </p:animEffect>
-                                  </p:childTnLst>
-                                </p:cTn>
-                              </p:par>
-                            </p:childTnLst>
-                          </p:cTn>
-                        </p:par>
-                      </p:childTnLst>
-                    </p:cTn>
-                  </p:par>
-                  <p:par>
-                    <p:cTn id="38" fill="hold">
-                      <p:stCondLst>
-                        <p:cond delay="indefinite"/>
-                      </p:stCondLst>
-                      <p:childTnLst>
-                        <p:par>
-                          <p:cTn id="39" fill="hold">
-                            <p:stCondLst>
-                              <p:cond delay="0"/>
-                            </p:stCondLst>
-                            <p:childTnLst>
-                              <p:par>
-                                <p:cTn id="40" presetID="10" presetClass="entr" presetSubtype="0" fill="hold" grpId="0" nodeType="clickEffect">
-                                  <p:stCondLst>
-                                    <p:cond delay="0"/>
-                                  </p:stCondLst>
-                                  <p:childTnLst>
-                                    <p:set>
-                                      <p:cBhvr>
-                                        <p:cTn id="41" dur="1" fill="hold">
-                                          <p:stCondLst>
-                                            <p:cond delay="0"/>
-                                          </p:stCondLst>
-                                        </p:cTn>
-                                        <p:tgtEl>
-                                          <p:spTgt spid="3">
-                                            <p:txEl>
-                                              <p:pRg st="8" end="8"/>
-                                            </p:txEl>
-                                          </p:spTgt>
-                                        </p:tgtEl>
-                                        <p:attrNameLst>
-                                          <p:attrName>style.visibility</p:attrName>
-                                        </p:attrNameLst>
-                                      </p:cBhvr>
-                                      <p:to>
-                                        <p:strVal val="visible"/>
-                                      </p:to>
-                                    </p:set>
-                                    <p:animEffect transition="in" filter="fade">
-                                      <p:cBhvr>
-                                        <p:cTn id="42" dur="500"/>
-                                        <p:tgtEl>
-                                          <p:spTgt spid="3">
-                                            <p:txEl>
-                                              <p:pRg st="8" end="8"/>
-                                            </p:txEl>
-                                          </p:spTgt>
-                                        </p:tgtEl>
-                                      </p:cBhvr>
-                                    </p:animEffect>
-                                  </p:childTnLst>
-                                </p:cTn>
-                              </p:par>
-                            </p:childTnLst>
-                          </p:cTn>
-                        </p:par>
-                      </p:childTnLst>
-                    </p:cTn>
-                  </p:par>
-                  <p:par>
-                    <p:cTn id="43" fill="hold">
-                      <p:stCondLst>
-                        <p:cond delay="indefinite"/>
-                      </p:stCondLst>
-                      <p:childTnLst>
-                        <p:par>
-                          <p:cTn id="44" fill="hold">
-                            <p:stCondLst>
-                              <p:cond delay="0"/>
-                            </p:stCondLst>
-                            <p:childTnLst>
-                              <p:par>
-                                <p:cTn id="45" presetID="10" presetClass="entr" presetSubtype="0" fill="hold" grpId="0" nodeType="clickEffect">
-                                  <p:stCondLst>
-                                    <p:cond delay="0"/>
-                                  </p:stCondLst>
-                                  <p:childTnLst>
-                                    <p:set>
-                                      <p:cBhvr>
-                                        <p:cTn id="46" dur="1" fill="hold">
-                                          <p:stCondLst>
-                                            <p:cond delay="0"/>
-                                          </p:stCondLst>
-                                        </p:cTn>
-                                        <p:tgtEl>
-                                          <p:spTgt spid="3">
-                                            <p:txEl>
-                                              <p:pRg st="9" end="9"/>
-                                            </p:txEl>
-                                          </p:spTgt>
-                                        </p:tgtEl>
-                                        <p:attrNameLst>
-                                          <p:attrName>style.visibility</p:attrName>
-                                        </p:attrNameLst>
-                                      </p:cBhvr>
-                                      <p:to>
-                                        <p:strVal val="visible"/>
-                                      </p:to>
-                                    </p:set>
-                                    <p:animEffect transition="in" filter="fade">
-                                      <p:cBhvr>
-                                        <p:cTn id="47" dur="500"/>
-                                        <p:tgtEl>
-                                          <p:spTgt spid="3">
-                                            <p:txEl>
-                                              <p:pRg st="9" end="9"/>
-                                            </p:txEl>
-                                          </p:spTgt>
-                                        </p:tgtEl>
-                                      </p:cBhvr>
-                                    </p:animEffect>
-                                  </p:childTnLst>
-                                </p:cTn>
-                              </p:par>
-                            </p:childTnLst>
-                          </p:cTn>
-                        </p:par>
-                      </p:childTnLst>
-                    </p:cTn>
-                  </p:par>
-                  <p:par>
-                    <p:cTn id="48" fill="hold">
-                      <p:stCondLst>
-                        <p:cond delay="indefinite"/>
-                      </p:stCondLst>
-                      <p:childTnLst>
-                        <p:par>
-                          <p:cTn id="49" fill="hold">
-                            <p:stCondLst>
-                              <p:cond delay="0"/>
-                            </p:stCondLst>
-                            <p:childTnLst>
-                              <p:par>
-                                <p:cTn id="50" presetID="10" presetClass="entr" presetSubtype="0" fill="hold" grpId="0" nodeType="clickEffect">
-                                  <p:stCondLst>
-                                    <p:cond delay="0"/>
-                                  </p:stCondLst>
-                                  <p:childTnLst>
-                                    <p:set>
-                                      <p:cBhvr>
-                                        <p:cTn id="51" dur="1" fill="hold">
-                                          <p:stCondLst>
-                                            <p:cond delay="0"/>
-                                          </p:stCondLst>
-                                        </p:cTn>
-                                        <p:tgtEl>
-                                          <p:spTgt spid="3">
-                                            <p:txEl>
-                                              <p:pRg st="11" end="11"/>
-                                            </p:txEl>
-                                          </p:spTgt>
-                                        </p:tgtEl>
-                                        <p:attrNameLst>
-                                          <p:attrName>style.visibility</p:attrName>
-                                        </p:attrNameLst>
-                                      </p:cBhvr>
-                                      <p:to>
-                                        <p:strVal val="visible"/>
-                                      </p:to>
-                                    </p:set>
-                                    <p:animEffect transition="in" filter="fade">
-                                      <p:cBhvr>
-                                        <p:cTn id="52" dur="500"/>
-                                        <p:tgtEl>
-                                          <p:spTgt spid="3">
-                                            <p:txEl>
-                                              <p:pRg st="11" end="11"/>
-                                            </p:txEl>
-                                          </p:spTgt>
-                                        </p:tgtEl>
-                                      </p:cBhvr>
-                                    </p:animEffect>
-                                  </p:childTnLst>
-                                </p:cTn>
-                              </p:par>
-                            </p:childTnLst>
-                          </p:cTn>
-                        </p:par>
-                      </p:childTnLst>
-                    </p:cTn>
-                  </p:par>
-                  <p:par>
-                    <p:cTn id="53" fill="hold">
-                      <p:stCondLst>
-                        <p:cond delay="indefinite"/>
-                      </p:stCondLst>
-                      <p:childTnLst>
-                        <p:par>
-                          <p:cTn id="54" fill="hold">
-                            <p:stCondLst>
-                              <p:cond delay="0"/>
-                            </p:stCondLst>
-                            <p:childTnLst>
-                              <p:par>
-                                <p:cTn id="55" presetID="10" presetClass="entr" presetSubtype="0" fill="hold" grpId="0" nodeType="clickEffect">
-                                  <p:stCondLst>
-                                    <p:cond delay="0"/>
-                                  </p:stCondLst>
-                                  <p:childTnLst>
-                                    <p:set>
-                                      <p:cBhvr>
-                                        <p:cTn id="56" dur="1" fill="hold">
-                                          <p:stCondLst>
-                                            <p:cond delay="0"/>
-                                          </p:stCondLst>
-                                        </p:cTn>
-                                        <p:tgtEl>
-                                          <p:spTgt spid="3">
-                                            <p:txEl>
-                                              <p:pRg st="12" end="12"/>
-                                            </p:txEl>
-                                          </p:spTgt>
-                                        </p:tgtEl>
-                                        <p:attrNameLst>
-                                          <p:attrName>style.visibility</p:attrName>
-                                        </p:attrNameLst>
-                                      </p:cBhvr>
-                                      <p:to>
-                                        <p:strVal val="visible"/>
-                                      </p:to>
-                                    </p:set>
-                                    <p:animEffect transition="in" filter="fade">
-                                      <p:cBhvr>
-                                        <p:cTn id="57" dur="500"/>
-                                        <p:tgtEl>
-                                          <p:spTgt spid="3">
-                                            <p:txEl>
-                                              <p:pRg st="12" end="12"/>
-                                            </p:txEl>
-                                          </p:spTgt>
-                                        </p:tgtEl>
-                                      </p:cBhvr>
-                                    </p:animEffect>
-                                  </p:childTnLst>
-                                </p:cTn>
-                              </p:par>
-                            </p:childTnLst>
-                          </p:cTn>
-                        </p:par>
-                      </p:childTnLst>
-                    </p:cTn>
-                  </p:par>
-                  <p:par>
-                    <p:cTn id="58" fill="hold">
-                      <p:stCondLst>
-                        <p:cond delay="indefinite"/>
-                      </p:stCondLst>
-                      <p:childTnLst>
-                        <p:par>
-                          <p:cTn id="59" fill="hold">
-                            <p:stCondLst>
-                              <p:cond delay="0"/>
-                            </p:stCondLst>
-                            <p:childTnLst>
-                              <p:par>
-                                <p:cTn id="60" presetID="10" presetClass="entr" presetSubtype="0" fill="hold" grpId="0" nodeType="clickEffect">
-                                  <p:stCondLst>
-                                    <p:cond delay="0"/>
-                                  </p:stCondLst>
-                                  <p:childTnLst>
-                                    <p:set>
-                                      <p:cBhvr>
-                                        <p:cTn id="61" dur="1" fill="hold">
-                                          <p:stCondLst>
-                                            <p:cond delay="0"/>
-                                          </p:stCondLst>
-                                        </p:cTn>
-                                        <p:tgtEl>
-                                          <p:spTgt spid="3">
-                                            <p:txEl>
-                                              <p:pRg st="13" end="13"/>
-                                            </p:txEl>
-                                          </p:spTgt>
-                                        </p:tgtEl>
-                                        <p:attrNameLst>
-                                          <p:attrName>style.visibility</p:attrName>
-                                        </p:attrNameLst>
-                                      </p:cBhvr>
-                                      <p:to>
-                                        <p:strVal val="visible"/>
-                                      </p:to>
-                                    </p:set>
-                                    <p:animEffect transition="in" filter="fade">
-                                      <p:cBhvr>
-                                        <p:cTn id="62" dur="500"/>
-                                        <p:tgtEl>
-                                          <p:spTgt spid="3">
-                                            <p:txEl>
-                                              <p:pRg st="13" end="13"/>
-                                            </p:txEl>
-                                          </p:spTgt>
-                                        </p:tgtEl>
-                                      </p:cBhvr>
-                                    </p:animEffect>
-                                  </p:childTnLst>
-                                </p:cTn>
-                              </p:par>
-                            </p:childTnLst>
-                          </p:cTn>
-                        </p:par>
-                      </p:childTnLst>
-                    </p:cTn>
-                  </p:par>
-                  <p:par>
-                    <p:cTn id="63" fill="hold">
-                      <p:stCondLst>
-                        <p:cond delay="indefinite"/>
-                      </p:stCondLst>
-                      <p:childTnLst>
-                        <p:par>
-                          <p:cTn id="64" fill="hold">
-                            <p:stCondLst>
-                              <p:cond delay="0"/>
-                            </p:stCondLst>
-                            <p:childTnLst>
-                              <p:par>
-                                <p:cTn id="65" presetID="10" presetClass="entr" presetSubtype="0" fill="hold" grpId="0" nodeType="clickEffect">
-                                  <p:stCondLst>
-                                    <p:cond delay="0"/>
-                                  </p:stCondLst>
-                                  <p:childTnLst>
-                                    <p:set>
-                                      <p:cBhvr>
-                                        <p:cTn id="66" dur="1" fill="hold">
-                                          <p:stCondLst>
-                                            <p:cond delay="0"/>
-                                          </p:stCondLst>
-                                        </p:cTn>
-                                        <p:tgtEl>
-                                          <p:spTgt spid="3">
-                                            <p:txEl>
-                                              <p:pRg st="14" end="14"/>
-                                            </p:txEl>
-                                          </p:spTgt>
-                                        </p:tgtEl>
-                                        <p:attrNameLst>
-                                          <p:attrName>style.visibility</p:attrName>
-                                        </p:attrNameLst>
-                                      </p:cBhvr>
-                                      <p:to>
-                                        <p:strVal val="visible"/>
-                                      </p:to>
-                                    </p:set>
-                                    <p:animEffect transition="in" filter="fade">
-                                      <p:cBhvr>
-                                        <p:cTn id="67" dur="500"/>
-                                        <p:tgtEl>
-                                          <p:spTgt spid="3">
-                                            <p:txEl>
-                                              <p:pRg st="14" end="14"/>
-                                            </p:txEl>
-                                          </p:spTgt>
-                                        </p:tgtEl>
-                                      </p:cBhvr>
-                                    </p:animEffect>
-                                  </p:childTnLst>
-                                </p:cTn>
-                              </p:par>
-                            </p:childTnLst>
-                          </p:cTn>
-                        </p:par>
-                      </p:childTnLst>
-                    </p:cTn>
-                  </p:par>
-                  <p:par>
-                    <p:cTn id="68" fill="hold">
-                      <p:stCondLst>
-                        <p:cond delay="indefinite"/>
-                      </p:stCondLst>
-                      <p:childTnLst>
-                        <p:par>
-                          <p:cTn id="69" fill="hold">
-                            <p:stCondLst>
-                              <p:cond delay="0"/>
-                            </p:stCondLst>
-                            <p:childTnLst>
-                              <p:par>
-                                <p:cTn id="70" presetID="10" presetClass="entr" presetSubtype="0" fill="hold" grpId="0" nodeType="clickEffect">
-                                  <p:stCondLst>
-                                    <p:cond delay="0"/>
-                                  </p:stCondLst>
-                                  <p:childTnLst>
-                                    <p:set>
-                                      <p:cBhvr>
-                                        <p:cTn id="71" dur="1" fill="hold">
-                                          <p:stCondLst>
-                                            <p:cond delay="0"/>
-                                          </p:stCondLst>
-                                        </p:cTn>
-                                        <p:tgtEl>
-                                          <p:spTgt spid="3">
-                                            <p:txEl>
-                                              <p:pRg st="15" end="15"/>
-                                            </p:txEl>
-                                          </p:spTgt>
-                                        </p:tgtEl>
-                                        <p:attrNameLst>
-                                          <p:attrName>style.visibility</p:attrName>
-                                        </p:attrNameLst>
-                                      </p:cBhvr>
-                                      <p:to>
-                                        <p:strVal val="visible"/>
-                                      </p:to>
-                                    </p:set>
-                                    <p:animEffect transition="in" filter="fade">
-                                      <p:cBhvr>
-                                        <p:cTn id="72" dur="500"/>
-                                        <p:tgtEl>
-                                          <p:spTgt spid="3">
-                                            <p:txEl>
-                                              <p:pRg st="15" end="15"/>
+                                              <p:pRg st="3" end="3"/>
                                             </p:txEl>
                                           </p:spTgt>
                                         </p:tgtEl>
@@ -4885,7 +4912,7 @@
 </p:sld>
 </file>
 
-<file path=ppt/slides/slide3.xml><?xml version="1.0" encoding="utf-8"?>
+<file path=ppt/slides/slide5.xml><?xml version="1.0" encoding="utf-8"?>
 <p:sld xmlns:a="http://schemas.openxmlformats.org/drawingml/2006/main" xmlns:r="http://schemas.openxmlformats.org/officeDocument/2006/relationships" xmlns:p="http://schemas.openxmlformats.org/presentationml/2006/main">
   <p:cSld>
     <p:spTree>
@@ -4904,6 +4931,40 @@
       </p:grpSpPr>
       <p:sp>
         <p:nvSpPr>
+          <p:cNvPr id="2" name="Title 1"/>
+          <p:cNvSpPr>
+            <a:spLocks noGrp="1"/>
+          </p:cNvSpPr>
+          <p:nvPr>
+            <p:ph type="title"/>
+          </p:nvPr>
+        </p:nvSpPr>
+        <p:spPr/>
+        <p:txBody>
+          <a:bodyPr>
+            <a:normAutofit/>
+          </a:bodyPr>
+          <a:lstStyle/>
+          <a:p>
+            <a:r>
+              <a:rPr lang="en-US" dirty="0">
+                <a:latin typeface="Avenir Light"/>
+                <a:cs typeface="Avenir Light"/>
+              </a:rPr>
+              <a:t>Methodology</a:t>
+            </a:r>
+            <a:endParaRPr lang="en-US" b="1" dirty="0">
+              <a:solidFill>
+                <a:srgbClr val="000000"/>
+              </a:solidFill>
+              <a:latin typeface="Avenir Light"/>
+              <a:cs typeface="Avenir Light"/>
+            </a:endParaRPr>
+          </a:p>
+        </p:txBody>
+      </p:sp>
+      <p:sp>
+        <p:nvSpPr>
           <p:cNvPr id="3" name="Content Placeholder 2"/>
           <p:cNvSpPr>
             <a:spLocks noGrp="1"/>
@@ -4914,13 +4975,13 @@
         </p:nvSpPr>
         <p:spPr>
           <a:xfrm>
-            <a:off x="457200" y="1538111"/>
-            <a:ext cx="8229600" cy="4699000"/>
+            <a:off x="457200" y="1608667"/>
+            <a:ext cx="8229600" cy="5079999"/>
           </a:xfrm>
         </p:spPr>
         <p:txBody>
           <a:bodyPr>
-            <a:normAutofit lnSpcReduction="10000"/>
+            <a:normAutofit/>
           </a:bodyPr>
           <a:lstStyle/>
           <a:p>
@@ -4929,151 +4990,54 @@
                 <a:latin typeface="Avenir Light"/>
                 <a:cs typeface="Avenir Light"/>
               </a:rPr>
-              <a:t>- </a:t>
+              <a:t>Test </a:t>
             </a:r>
             <a:r>
               <a:rPr lang="en-US" dirty="0">
                 <a:latin typeface="Avenir Light"/>
                 <a:cs typeface="Avenir Light"/>
               </a:rPr>
-              <a:t>Groups companies in direct competition with </a:t>
-            </a:r>
-            <a:r>
-              <a:rPr lang="en-US" dirty="0" err="1">
+              <a:t>data was manually collected based on the derivative of stock price changes over the period of 24 hours</a:t>
+            </a:r>
+          </a:p>
+          <a:p>
+            <a:r>
+              <a:rPr lang="en-US" dirty="0" smtClean="0">
                 <a:latin typeface="Avenir Light"/>
                 <a:cs typeface="Avenir Light"/>
               </a:rPr>
-              <a:t>eachother</a:t>
-            </a:r>
-            <a:endParaRPr lang="en-US" dirty="0">
-              <a:latin typeface="Avenir Light"/>
-              <a:cs typeface="Avenir Light"/>
-            </a:endParaRPr>
-          </a:p>
-          <a:p>
+              <a:t>Relevant </a:t>
+            </a:r>
             <a:r>
               <a:rPr lang="en-US" dirty="0">
                 <a:latin typeface="Avenir Light"/>
                 <a:cs typeface="Avenir Light"/>
               </a:rPr>
-              <a:t>- Analyzes trends with support from automatically generated relevant news articles</a:t>
-            </a:r>
-          </a:p>
-          <a:p>
+              <a:t>articles were manually collected and assigned a value based on above derivative value</a:t>
+            </a:r>
+          </a:p>
+          <a:p>
+            <a:r>
+              <a:rPr lang="en-US" dirty="0" smtClean="0">
+                <a:latin typeface="Avenir Light"/>
+                <a:cs typeface="Avenir Light"/>
+              </a:rPr>
+              <a:t>Standard </a:t>
+            </a:r>
             <a:r>
               <a:rPr lang="en-US" dirty="0">
                 <a:latin typeface="Avenir Light"/>
                 <a:cs typeface="Avenir Light"/>
               </a:rPr>
-              <a:t>- Uses machine learning to detect stock behavior from articles in real-time</a:t>
-            </a:r>
-          </a:p>
-          <a:p>
-            <a:r>
-              <a:rPr lang="en-US" dirty="0">
-                <a:latin typeface="Avenir Light"/>
-                <a:cs typeface="Avenir Light"/>
-              </a:rPr>
-              <a:t>- Classification aids in predicting future market behavior</a:t>
-            </a:r>
-            <a:endParaRPr lang="en-US" dirty="0">
-              <a:latin typeface="Avenir Light"/>
-              <a:cs typeface="Avenir Light"/>
-            </a:endParaRPr>
-          </a:p>
-        </p:txBody>
-      </p:sp>
-      <p:sp>
-        <p:nvSpPr>
-          <p:cNvPr id="2" name="Title 1"/>
-          <p:cNvSpPr>
-            <a:spLocks noGrp="1"/>
-          </p:cNvSpPr>
-          <p:nvPr>
-            <p:ph type="title"/>
-          </p:nvPr>
-        </p:nvSpPr>
-        <p:spPr/>
-        <p:txBody>
-          <a:bodyPr/>
-          <a:lstStyle/>
-          <a:p>
-            <a:r>
-              <a:rPr lang="en-US" dirty="0" smtClean="0">
-                <a:solidFill>
-                  <a:schemeClr val="bg1"/>
-                </a:solidFill>
-                <a:latin typeface="Perpetua Titling MT"/>
-                <a:cs typeface="Perpetua Titling MT"/>
-              </a:rPr>
-              <a:t>The Solution</a:t>
-            </a:r>
-            <a:endParaRPr lang="en-US" dirty="0">
-              <a:solidFill>
-                <a:schemeClr val="bg1"/>
-              </a:solidFill>
-              <a:latin typeface="Perpetua Titling MT"/>
-              <a:cs typeface="Perpetua Titling MT"/>
-            </a:endParaRPr>
-          </a:p>
-        </p:txBody>
-      </p:sp>
-      <p:sp>
-        <p:nvSpPr>
-          <p:cNvPr id="13" name="Title 1"/>
-          <p:cNvSpPr txBox="1">
-            <a:spLocks/>
-          </p:cNvSpPr>
-          <p:nvPr/>
-        </p:nvSpPr>
-        <p:spPr>
-          <a:xfrm>
-            <a:off x="457200" y="274639"/>
-            <a:ext cx="8229600" cy="1143000"/>
-          </a:xfrm>
-          <a:prstGeom prst="rect">
-            <a:avLst/>
-          </a:prstGeom>
-        </p:spPr>
-        <p:txBody>
-          <a:bodyPr vert="horz" lIns="91440" tIns="45720" rIns="91440" bIns="45720" rtlCol="0" anchor="ctr">
-            <a:normAutofit/>
-          </a:bodyPr>
-          <a:lstStyle>
-            <a:lvl1pPr algn="ctr" defTabSz="457200" rtl="0" eaLnBrk="1" latinLnBrk="0" hangingPunct="1">
-              <a:spcBef>
-                <a:spcPct val="0"/>
-              </a:spcBef>
-              <a:buNone/>
-              <a:defRPr sz="4400" kern="1200">
-                <a:solidFill>
-                  <a:schemeClr val="tx1"/>
-                </a:solidFill>
-                <a:latin typeface="+mj-lt"/>
-                <a:ea typeface="+mj-ea"/>
-                <a:cs typeface="+mj-cs"/>
-              </a:defRPr>
-            </a:lvl1pPr>
-          </a:lstStyle>
-          <a:p>
-            <a:r>
-              <a:rPr lang="en-US" b="1" dirty="0" smtClean="0">
-                <a:latin typeface="Avenir Light"/>
-                <a:cs typeface="Avenir Light"/>
-              </a:rPr>
-              <a:t>Our Product</a:t>
-            </a:r>
-            <a:endParaRPr lang="en-US" b="1" dirty="0">
-              <a:latin typeface="Avenir Light"/>
-              <a:cs typeface="Avenir Light"/>
-            </a:endParaRPr>
+              <a:t>60-20-20 train validation-test split used</a:t>
+            </a:r>
           </a:p>
         </p:txBody>
       </p:sp>
     </p:spTree>
     <p:extLst>
       <p:ext uri="{BB962C8B-B14F-4D97-AF65-F5344CB8AC3E}">
-        <p14:creationId xmlns:p14="http://schemas.microsoft.com/office/powerpoint/2010/main" val="2472489339"/>
+        <p14:creationId xmlns:p14="http://schemas.microsoft.com/office/powerpoint/2010/main" val="2047505247"/>
       </p:ext>
     </p:extLst>
   </p:cSld>
@@ -5126,7 +5090,7 @@
                                           </p:stCondLst>
                                         </p:cTn>
                                         <p:tgtEl>
-                                          <p:spTgt spid="13"/>
+                                          <p:spTgt spid="2"/>
                                         </p:tgtEl>
                                         <p:attrNameLst>
                                           <p:attrName>style.visibility</p:attrName>
@@ -5140,7 +5104,190 @@
                                       <p:cBhvr>
                                         <p:cTn id="7" dur="500"/>
                                         <p:tgtEl>
-                                          <p:spTgt spid="13"/>
+                                          <p:spTgt spid="2"/>
+                                        </p:tgtEl>
+                                      </p:cBhvr>
+                                    </p:animEffect>
+                                  </p:childTnLst>
+                                </p:cTn>
+                              </p:par>
+                            </p:childTnLst>
+                          </p:cTn>
+                        </p:par>
+                      </p:childTnLst>
+                    </p:cTn>
+                  </p:par>
+                  <p:par>
+                    <p:cTn id="8" fill="hold">
+                      <p:stCondLst>
+                        <p:cond delay="indefinite"/>
+                      </p:stCondLst>
+                      <p:childTnLst>
+                        <p:par>
+                          <p:cTn id="9" fill="hold">
+                            <p:stCondLst>
+                              <p:cond delay="0"/>
+                            </p:stCondLst>
+                            <p:childTnLst>
+                              <p:par>
+                                <p:cTn id="10" presetID="10" presetClass="entr" presetSubtype="0" fill="hold" grpId="0" nodeType="clickEffect">
+                                  <p:stCondLst>
+                                    <p:cond delay="0"/>
+                                  </p:stCondLst>
+                                  <p:childTnLst>
+                                    <p:set>
+                                      <p:cBhvr>
+                                        <p:cTn id="11" dur="1" fill="hold">
+                                          <p:stCondLst>
+                                            <p:cond delay="0"/>
+                                          </p:stCondLst>
+                                        </p:cTn>
+                                        <p:tgtEl>
+                                          <p:spTgt spid="3">
+                                            <p:txEl>
+                                              <p:pRg st="0" end="0"/>
+                                            </p:txEl>
+                                          </p:spTgt>
+                                        </p:tgtEl>
+                                        <p:attrNameLst>
+                                          <p:attrName>style.visibility</p:attrName>
+                                        </p:attrNameLst>
+                                      </p:cBhvr>
+                                      <p:to>
+                                        <p:strVal val="visible"/>
+                                      </p:to>
+                                    </p:set>
+                                    <p:animEffect transition="in" filter="fade">
+                                      <p:cBhvr>
+                                        <p:cTn id="12" dur="500"/>
+                                        <p:tgtEl>
+                                          <p:spTgt spid="3">
+                                            <p:txEl>
+                                              <p:pRg st="0" end="0"/>
+                                            </p:txEl>
+                                          </p:spTgt>
+                                        </p:tgtEl>
+                                      </p:cBhvr>
+                                    </p:animEffect>
+                                  </p:childTnLst>
+                                </p:cTn>
+                              </p:par>
+                            </p:childTnLst>
+                          </p:cTn>
+                        </p:par>
+                      </p:childTnLst>
+                    </p:cTn>
+                  </p:par>
+                  <p:par>
+                    <p:cTn id="13" fill="hold">
+                      <p:stCondLst>
+                        <p:cond delay="indefinite"/>
+                      </p:stCondLst>
+                      <p:childTnLst>
+                        <p:par>
+                          <p:cTn id="14" fill="hold">
+                            <p:stCondLst>
+                              <p:cond delay="0"/>
+                            </p:stCondLst>
+                            <p:childTnLst>
+                              <p:par>
+                                <p:cTn id="15" presetID="10" presetClass="entr" presetSubtype="0" fill="hold" grpId="0" nodeType="clickEffect">
+                                  <p:stCondLst>
+                                    <p:cond delay="0"/>
+                                  </p:stCondLst>
+                                  <p:childTnLst>
+                                    <p:set>
+                                      <p:cBhvr>
+                                        <p:cTn id="16" dur="1" fill="hold">
+                                          <p:stCondLst>
+                                            <p:cond delay="0"/>
+                                          </p:stCondLst>
+                                        </p:cTn>
+                                        <p:tgtEl>
+                                          <p:spTgt spid="3">
+                                            <p:txEl>
+                                              <p:pRg st="1" end="1"/>
+                                            </p:txEl>
+                                          </p:spTgt>
+                                        </p:tgtEl>
+                                        <p:attrNameLst>
+                                          <p:attrName>style.visibility</p:attrName>
+                                        </p:attrNameLst>
+                                      </p:cBhvr>
+                                      <p:to>
+                                        <p:strVal val="visible"/>
+                                      </p:to>
+                                    </p:set>
+                                    <p:animEffect transition="in" filter="fade">
+                                      <p:cBhvr>
+                                        <p:cTn id="17" dur="500"/>
+                                        <p:tgtEl>
+                                          <p:spTgt spid="3">
+                                            <p:txEl>
+                                              <p:pRg st="1" end="1"/>
+                                            </p:txEl>
+                                          </p:spTgt>
+                                        </p:tgtEl>
+                                      </p:cBhvr>
+                                    </p:animEffect>
+                                  </p:childTnLst>
+                                </p:cTn>
+                              </p:par>
+                            </p:childTnLst>
+                          </p:cTn>
+                        </p:par>
+                      </p:childTnLst>
+                    </p:cTn>
+                  </p:par>
+                  <p:par>
+                    <p:cTn id="18" fill="hold">
+                      <p:stCondLst>
+                        <p:cond delay="indefinite"/>
+                      </p:stCondLst>
+                      <p:childTnLst>
+                        <p:par>
+                          <p:cTn id="19" fill="hold">
+                            <p:stCondLst>
+                              <p:cond delay="0"/>
+                            </p:stCondLst>
+                            <p:childTnLst>
+                              <p:par>
+                                <p:cTn id="20" presetID="10" presetClass="entr" presetSubtype="0" fill="hold" grpId="0" nodeType="clickEffect">
+                                  <p:stCondLst>
+                                    <p:cond delay="0"/>
+                                  </p:stCondLst>
+                                  <p:childTnLst>
+                                    <p:set>
+                                      <p:cBhvr>
+                                        <p:cTn id="21" dur="1" fill="hold">
+                                          <p:stCondLst>
+                                            <p:cond delay="0"/>
+                                          </p:stCondLst>
+                                        </p:cTn>
+                                        <p:tgtEl>
+                                          <p:spTgt spid="3">
+                                            <p:txEl>
+                                              <p:pRg st="2" end="2"/>
+                                            </p:txEl>
+                                          </p:spTgt>
+                                        </p:tgtEl>
+                                        <p:attrNameLst>
+                                          <p:attrName>style.visibility</p:attrName>
+                                        </p:attrNameLst>
+                                      </p:cBhvr>
+                                      <p:to>
+                                        <p:strVal val="visible"/>
+                                      </p:to>
+                                    </p:set>
+                                    <p:animEffect transition="in" filter="fade">
+                                      <p:cBhvr>
+                                        <p:cTn id="22" dur="500"/>
+                                        <p:tgtEl>
+                                          <p:spTgt spid="3">
+                                            <p:txEl>
+                                              <p:pRg st="2" end="2"/>
+                                            </p:txEl>
+                                          </p:spTgt>
                                         </p:tgtEl>
                                       </p:cBhvr>
                                     </p:animEffect>
@@ -5175,13 +5322,14 @@
       </p:par>
     </p:tnLst>
     <p:bldLst>
-      <p:bldP spid="13" grpId="0"/>
+      <p:bldP spid="2" grpId="0"/>
+      <p:bldP spid="3" grpId="0" build="p"/>
     </p:bldLst>
   </p:timing>
 </p:sld>
 </file>
 
-<file path=ppt/slides/slide4.xml><?xml version="1.0" encoding="utf-8"?>
+<file path=ppt/slides/slide6.xml><?xml version="1.0" encoding="utf-8"?>
 <p:sld xmlns:a="http://schemas.openxmlformats.org/drawingml/2006/main" xmlns:r="http://schemas.openxmlformats.org/officeDocument/2006/relationships" xmlns:p="http://schemas.openxmlformats.org/presentationml/2006/main">
   <p:cSld>
     <p:spTree>
@@ -5216,14 +5364,11 @@
           <a:lstStyle/>
           <a:p>
             <a:r>
-              <a:rPr lang="en-US" b="1" dirty="0" smtClean="0">
-                <a:solidFill>
-                  <a:srgbClr val="000000"/>
-                </a:solidFill>
+              <a:rPr lang="en-US" dirty="0" smtClean="0">
                 <a:latin typeface="Avenir Light"/>
                 <a:cs typeface="Avenir Light"/>
               </a:rPr>
-              <a:t>Our Prototype</a:t>
+              <a:t>Results</a:t>
             </a:r>
             <a:endParaRPr lang="en-US" b="1" dirty="0">
               <a:solidFill>
@@ -5262,53 +5407,491 @@
                 <a:latin typeface="Avenir Light"/>
                 <a:cs typeface="Avenir Light"/>
               </a:rPr>
-              <a:t>- </a:t>
+              <a:t>Test </a:t>
             </a:r>
             <a:r>
               <a:rPr lang="en-US" dirty="0">
                 <a:latin typeface="Avenir Light"/>
                 <a:cs typeface="Avenir Light"/>
               </a:rPr>
-              <a:t>Analyzes the airline industry</a:t>
-            </a:r>
-          </a:p>
-          <a:p>
+              <a:t>data was manually collected based on the derivative of stock price changes over the period of 24 hours</a:t>
+            </a:r>
+          </a:p>
+          <a:p>
+            <a:r>
+              <a:rPr lang="en-US" dirty="0" smtClean="0">
+                <a:latin typeface="Avenir Light"/>
+                <a:cs typeface="Avenir Light"/>
+              </a:rPr>
+              <a:t>Relevant </a:t>
+            </a:r>
             <a:r>
               <a:rPr lang="en-US" dirty="0">
                 <a:latin typeface="Avenir Light"/>
                 <a:cs typeface="Avenir Light"/>
               </a:rPr>
-              <a:t>- Manually accepts news articles</a:t>
-            </a:r>
-          </a:p>
-          <a:p>
+              <a:t>articles were manually collected and assigned a value based on above derivative value</a:t>
+            </a:r>
+          </a:p>
+          <a:p>
+            <a:r>
+              <a:rPr lang="en-US" dirty="0" smtClean="0">
+                <a:latin typeface="Avenir Light"/>
+                <a:cs typeface="Avenir Light"/>
+              </a:rPr>
+              <a:t>Standard </a:t>
+            </a:r>
             <a:r>
               <a:rPr lang="en-US" dirty="0">
                 <a:latin typeface="Avenir Light"/>
                 <a:cs typeface="Avenir Light"/>
               </a:rPr>
-              <a:t>- Uses machine learning to detect stock behavior from inputted articles</a:t>
-            </a:r>
-          </a:p>
-          <a:p>
+              <a:t>60-20-20 train validation-test split used</a:t>
+            </a:r>
+          </a:p>
+        </p:txBody>
+      </p:sp>
+    </p:spTree>
+    <p:extLst>
+      <p:ext uri="{BB962C8B-B14F-4D97-AF65-F5344CB8AC3E}">
+        <p14:creationId xmlns:p14="http://schemas.microsoft.com/office/powerpoint/2010/main" val="1635933200"/>
+      </p:ext>
+    </p:extLst>
+  </p:cSld>
+  <p:clrMapOvr>
+    <a:masterClrMapping/>
+  </p:clrMapOvr>
+  <mc:AlternateContent xmlns:mc="http://schemas.openxmlformats.org/markup-compatibility/2006" xmlns:p14="http://schemas.microsoft.com/office/powerpoint/2010/main">
+    <mc:Choice Requires="p14">
+      <p:transition spd="med" p14:dur="700">
+        <p:fade/>
+      </p:transition>
+    </mc:Choice>
+    <mc:Fallback xmlns="">
+      <p:transition xmlns:p14="http://schemas.microsoft.com/office/powerpoint/2010/main" spd="med">
+        <p:fade/>
+      </p:transition>
+    </mc:Fallback>
+  </mc:AlternateContent>
+  <p:timing>
+    <p:tnLst>
+      <p:par>
+        <p:cTn xmlns:p14="http://schemas.microsoft.com/office/powerpoint/2010/main" id="1" dur="indefinite" restart="never" nodeType="tmRoot">
+          <p:childTnLst>
+            <p:seq concurrent="1" nextAc="seek">
+              <p:cTn id="2" dur="indefinite" nodeType="mainSeq">
+                <p:childTnLst>
+                  <p:par>
+                    <p:cTn id="3" fill="hold">
+                      <p:stCondLst>
+                        <p:cond delay="indefinite"/>
+                      </p:stCondLst>
+                      <p:childTnLst>
+                        <p:par>
+                          <p:cTn id="4" fill="hold">
+                            <p:stCondLst>
+                              <p:cond delay="0"/>
+                            </p:stCondLst>
+                            <p:childTnLst>
+                              <p:par>
+                                <p:cTn id="5" presetID="10" presetClass="entr" presetSubtype="0" fill="hold" grpId="0" nodeType="clickEffect">
+                                  <p:stCondLst>
+                                    <p:cond delay="0"/>
+                                  </p:stCondLst>
+                                  <p:childTnLst>
+                                    <p:set>
+                                      <p:cBhvr>
+                                        <p:cTn id="6" dur="1" fill="hold">
+                                          <p:stCondLst>
+                                            <p:cond delay="0"/>
+                                          </p:stCondLst>
+                                        </p:cTn>
+                                        <p:tgtEl>
+                                          <p:spTgt spid="2"/>
+                                        </p:tgtEl>
+                                        <p:attrNameLst>
+                                          <p:attrName>style.visibility</p:attrName>
+                                        </p:attrNameLst>
+                                      </p:cBhvr>
+                                      <p:to>
+                                        <p:strVal val="visible"/>
+                                      </p:to>
+                                    </p:set>
+                                    <p:animEffect transition="in" filter="fade">
+                                      <p:cBhvr>
+                                        <p:cTn id="7" dur="500"/>
+                                        <p:tgtEl>
+                                          <p:spTgt spid="2"/>
+                                        </p:tgtEl>
+                                      </p:cBhvr>
+                                    </p:animEffect>
+                                  </p:childTnLst>
+                                </p:cTn>
+                              </p:par>
+                            </p:childTnLst>
+                          </p:cTn>
+                        </p:par>
+                      </p:childTnLst>
+                    </p:cTn>
+                  </p:par>
+                  <p:par>
+                    <p:cTn id="8" fill="hold">
+                      <p:stCondLst>
+                        <p:cond delay="indefinite"/>
+                      </p:stCondLst>
+                      <p:childTnLst>
+                        <p:par>
+                          <p:cTn id="9" fill="hold">
+                            <p:stCondLst>
+                              <p:cond delay="0"/>
+                            </p:stCondLst>
+                            <p:childTnLst>
+                              <p:par>
+                                <p:cTn id="10" presetID="10" presetClass="entr" presetSubtype="0" fill="hold" grpId="0" nodeType="clickEffect">
+                                  <p:stCondLst>
+                                    <p:cond delay="0"/>
+                                  </p:stCondLst>
+                                  <p:childTnLst>
+                                    <p:set>
+                                      <p:cBhvr>
+                                        <p:cTn id="11" dur="1" fill="hold">
+                                          <p:stCondLst>
+                                            <p:cond delay="0"/>
+                                          </p:stCondLst>
+                                        </p:cTn>
+                                        <p:tgtEl>
+                                          <p:spTgt spid="3">
+                                            <p:txEl>
+                                              <p:pRg st="0" end="0"/>
+                                            </p:txEl>
+                                          </p:spTgt>
+                                        </p:tgtEl>
+                                        <p:attrNameLst>
+                                          <p:attrName>style.visibility</p:attrName>
+                                        </p:attrNameLst>
+                                      </p:cBhvr>
+                                      <p:to>
+                                        <p:strVal val="visible"/>
+                                      </p:to>
+                                    </p:set>
+                                    <p:animEffect transition="in" filter="fade">
+                                      <p:cBhvr>
+                                        <p:cTn id="12" dur="500"/>
+                                        <p:tgtEl>
+                                          <p:spTgt spid="3">
+                                            <p:txEl>
+                                              <p:pRg st="0" end="0"/>
+                                            </p:txEl>
+                                          </p:spTgt>
+                                        </p:tgtEl>
+                                      </p:cBhvr>
+                                    </p:animEffect>
+                                  </p:childTnLst>
+                                </p:cTn>
+                              </p:par>
+                            </p:childTnLst>
+                          </p:cTn>
+                        </p:par>
+                      </p:childTnLst>
+                    </p:cTn>
+                  </p:par>
+                  <p:par>
+                    <p:cTn id="13" fill="hold">
+                      <p:stCondLst>
+                        <p:cond delay="indefinite"/>
+                      </p:stCondLst>
+                      <p:childTnLst>
+                        <p:par>
+                          <p:cTn id="14" fill="hold">
+                            <p:stCondLst>
+                              <p:cond delay="0"/>
+                            </p:stCondLst>
+                            <p:childTnLst>
+                              <p:par>
+                                <p:cTn id="15" presetID="10" presetClass="entr" presetSubtype="0" fill="hold" grpId="0" nodeType="clickEffect">
+                                  <p:stCondLst>
+                                    <p:cond delay="0"/>
+                                  </p:stCondLst>
+                                  <p:childTnLst>
+                                    <p:set>
+                                      <p:cBhvr>
+                                        <p:cTn id="16" dur="1" fill="hold">
+                                          <p:stCondLst>
+                                            <p:cond delay="0"/>
+                                          </p:stCondLst>
+                                        </p:cTn>
+                                        <p:tgtEl>
+                                          <p:spTgt spid="3">
+                                            <p:txEl>
+                                              <p:pRg st="1" end="1"/>
+                                            </p:txEl>
+                                          </p:spTgt>
+                                        </p:tgtEl>
+                                        <p:attrNameLst>
+                                          <p:attrName>style.visibility</p:attrName>
+                                        </p:attrNameLst>
+                                      </p:cBhvr>
+                                      <p:to>
+                                        <p:strVal val="visible"/>
+                                      </p:to>
+                                    </p:set>
+                                    <p:animEffect transition="in" filter="fade">
+                                      <p:cBhvr>
+                                        <p:cTn id="17" dur="500"/>
+                                        <p:tgtEl>
+                                          <p:spTgt spid="3">
+                                            <p:txEl>
+                                              <p:pRg st="1" end="1"/>
+                                            </p:txEl>
+                                          </p:spTgt>
+                                        </p:tgtEl>
+                                      </p:cBhvr>
+                                    </p:animEffect>
+                                  </p:childTnLst>
+                                </p:cTn>
+                              </p:par>
+                            </p:childTnLst>
+                          </p:cTn>
+                        </p:par>
+                      </p:childTnLst>
+                    </p:cTn>
+                  </p:par>
+                  <p:par>
+                    <p:cTn id="18" fill="hold">
+                      <p:stCondLst>
+                        <p:cond delay="indefinite"/>
+                      </p:stCondLst>
+                      <p:childTnLst>
+                        <p:par>
+                          <p:cTn id="19" fill="hold">
+                            <p:stCondLst>
+                              <p:cond delay="0"/>
+                            </p:stCondLst>
+                            <p:childTnLst>
+                              <p:par>
+                                <p:cTn id="20" presetID="10" presetClass="entr" presetSubtype="0" fill="hold" grpId="0" nodeType="clickEffect">
+                                  <p:stCondLst>
+                                    <p:cond delay="0"/>
+                                  </p:stCondLst>
+                                  <p:childTnLst>
+                                    <p:set>
+                                      <p:cBhvr>
+                                        <p:cTn id="21" dur="1" fill="hold">
+                                          <p:stCondLst>
+                                            <p:cond delay="0"/>
+                                          </p:stCondLst>
+                                        </p:cTn>
+                                        <p:tgtEl>
+                                          <p:spTgt spid="3">
+                                            <p:txEl>
+                                              <p:pRg st="2" end="2"/>
+                                            </p:txEl>
+                                          </p:spTgt>
+                                        </p:tgtEl>
+                                        <p:attrNameLst>
+                                          <p:attrName>style.visibility</p:attrName>
+                                        </p:attrNameLst>
+                                      </p:cBhvr>
+                                      <p:to>
+                                        <p:strVal val="visible"/>
+                                      </p:to>
+                                    </p:set>
+                                    <p:animEffect transition="in" filter="fade">
+                                      <p:cBhvr>
+                                        <p:cTn id="22" dur="500"/>
+                                        <p:tgtEl>
+                                          <p:spTgt spid="3">
+                                            <p:txEl>
+                                              <p:pRg st="2" end="2"/>
+                                            </p:txEl>
+                                          </p:spTgt>
+                                        </p:tgtEl>
+                                      </p:cBhvr>
+                                    </p:animEffect>
+                                  </p:childTnLst>
+                                </p:cTn>
+                              </p:par>
+                            </p:childTnLst>
+                          </p:cTn>
+                        </p:par>
+                      </p:childTnLst>
+                    </p:cTn>
+                  </p:par>
+                </p:childTnLst>
+              </p:cTn>
+              <p:prevCondLst>
+                <p:cond evt="onPrev" delay="0">
+                  <p:tgtEl>
+                    <p:sldTgt/>
+                  </p:tgtEl>
+                </p:cond>
+              </p:prevCondLst>
+              <p:nextCondLst>
+                <p:cond evt="onNext" delay="0">
+                  <p:tgtEl>
+                    <p:sldTgt/>
+                  </p:tgtEl>
+                </p:cond>
+              </p:nextCondLst>
+            </p:seq>
+          </p:childTnLst>
+        </p:cTn>
+      </p:par>
+    </p:tnLst>
+    <p:bldLst>
+      <p:bldP spid="2" grpId="0"/>
+      <p:bldP spid="3" grpId="0" build="p"/>
+    </p:bldLst>
+  </p:timing>
+</p:sld>
+</file>
+
+<file path=ppt/slides/slide7.xml><?xml version="1.0" encoding="utf-8"?>
+<p:sld xmlns:a="http://schemas.openxmlformats.org/drawingml/2006/main" xmlns:r="http://schemas.openxmlformats.org/officeDocument/2006/relationships" xmlns:p="http://schemas.openxmlformats.org/presentationml/2006/main">
+  <p:cSld>
+    <p:spTree>
+      <p:nvGrpSpPr>
+        <p:cNvPr id="1" name=""/>
+        <p:cNvGrpSpPr/>
+        <p:nvPr/>
+      </p:nvGrpSpPr>
+      <p:grpSpPr>
+        <a:xfrm>
+          <a:off x="0" y="0"/>
+          <a:ext cx="0" cy="0"/>
+          <a:chOff x="0" y="0"/>
+          <a:chExt cx="0" cy="0"/>
+        </a:xfrm>
+      </p:grpSpPr>
+      <p:sp>
+        <p:nvSpPr>
+          <p:cNvPr id="2" name="Title 1"/>
+          <p:cNvSpPr>
+            <a:spLocks noGrp="1"/>
+          </p:cNvSpPr>
+          <p:nvPr>
+            <p:ph type="title"/>
+          </p:nvPr>
+        </p:nvSpPr>
+        <p:spPr/>
+        <p:txBody>
+          <a:bodyPr>
+            <a:normAutofit/>
+          </a:bodyPr>
+          <a:lstStyle/>
+          <a:p>
+            <a:r>
+              <a:rPr lang="en-US" dirty="0" smtClean="0">
+                <a:latin typeface="Avenir Light"/>
+                <a:cs typeface="Avenir Light"/>
+              </a:rPr>
+              <a:t>In Progress</a:t>
+            </a:r>
+            <a:endParaRPr lang="en-US" b="1" dirty="0">
+              <a:solidFill>
+                <a:srgbClr val="000000"/>
+              </a:solidFill>
+              <a:latin typeface="Avenir Light"/>
+              <a:cs typeface="Avenir Light"/>
+            </a:endParaRPr>
+          </a:p>
+        </p:txBody>
+      </p:sp>
+      <p:sp>
+        <p:nvSpPr>
+          <p:cNvPr id="3" name="Content Placeholder 2"/>
+          <p:cNvSpPr>
+            <a:spLocks noGrp="1"/>
+          </p:cNvSpPr>
+          <p:nvPr>
+            <p:ph idx="1"/>
+          </p:nvPr>
+        </p:nvSpPr>
+        <p:spPr>
+          <a:xfrm>
+            <a:off x="457200" y="1608667"/>
+            <a:ext cx="8229600" cy="5079999"/>
+          </a:xfrm>
+        </p:spPr>
+        <p:txBody>
+          <a:bodyPr>
+            <a:normAutofit/>
+          </a:bodyPr>
+          <a:lstStyle/>
+          <a:p>
+            <a:r>
+              <a:rPr lang="en-US" dirty="0" smtClean="0">
+                <a:latin typeface="Avenir Light"/>
+                <a:cs typeface="Avenir Light"/>
+              </a:rPr>
+              <a:t>Automation </a:t>
+            </a:r>
             <a:r>
               <a:rPr lang="en-US" dirty="0">
                 <a:latin typeface="Avenir Light"/>
                 <a:cs typeface="Avenir Light"/>
               </a:rPr>
-              <a:t>- Classification aids in predicting future market behavior</a:t>
+              <a:t>of news article detection</a:t>
+            </a:r>
+          </a:p>
+          <a:p>
+            <a:r>
+              <a:rPr lang="en-US" dirty="0" smtClean="0">
+                <a:latin typeface="Avenir Light"/>
+                <a:cs typeface="Avenir Light"/>
+              </a:rPr>
+              <a:t>Can </a:t>
+            </a:r>
+            <a:r>
+              <a:rPr lang="en-US" dirty="0">
+                <a:latin typeface="Avenir Light"/>
+                <a:cs typeface="Avenir Light"/>
+              </a:rPr>
+              <a:t>currently automatically generate articles however needs to classify articles on financial relevance</a:t>
+            </a:r>
+          </a:p>
+          <a:p>
+            <a:r>
+              <a:rPr lang="en-US" smtClean="0">
+                <a:latin typeface="Avenir Light"/>
+                <a:cs typeface="Avenir Light"/>
+              </a:rPr>
+              <a:t>Needs </a:t>
+            </a:r>
+            <a:r>
+              <a:rPr lang="en-US" dirty="0">
+                <a:latin typeface="Avenir Light"/>
+                <a:cs typeface="Avenir Light"/>
+              </a:rPr>
+              <a:t>to classify companies in direct competition with </a:t>
+            </a:r>
+            <a:r>
+              <a:rPr lang="en-US" dirty="0" err="1">
+                <a:latin typeface="Avenir Light"/>
+                <a:cs typeface="Avenir Light"/>
+              </a:rPr>
+              <a:t>eachother</a:t>
             </a:r>
             <a:endParaRPr lang="en-US" dirty="0">
               <a:latin typeface="Avenir Light"/>
               <a:cs typeface="Avenir Light"/>
             </a:endParaRPr>
           </a:p>
+          <a:p>
+            <a:r>
+              <a:rPr lang="en-US" dirty="0">
+                <a:latin typeface="Avenir Light"/>
+                <a:cs typeface="Avenir Light"/>
+              </a:rPr>
+              <a:t>m around the globe</a:t>
+            </a:r>
+          </a:p>
         </p:txBody>
       </p:sp>
     </p:spTree>
     <p:extLst>
       <p:ext uri="{BB962C8B-B14F-4D97-AF65-F5344CB8AC3E}">
-        <p14:creationId xmlns:p14="http://schemas.microsoft.com/office/powerpoint/2010/main" val="165773630"/>
+        <p14:creationId xmlns:p14="http://schemas.microsoft.com/office/powerpoint/2010/main" val="1635933200"/>
       </p:ext>
     </p:extLst>
   </p:cSld>
